--- a/doc/zhanghx.pptx
+++ b/doc/zhanghx.pptx
@@ -12,7 +12,6 @@
     <p:sldId id="260" r:id="rId6"/>
     <p:sldId id="261" r:id="rId7"/>
     <p:sldId id="263" r:id="rId8"/>
-    <p:sldId id="262" r:id="rId9"/>
   </p:sldIdLst>
   <p:sldSz cx="12192000" cy="6858000"/>
   <p:notesSz cx="6858000" cy="9144000"/>
@@ -111,6 +110,11 @@
       </a:defRPr>
     </a:lvl9pPr>
   </p:defaultTextStyle>
+  <p:extLst>
+    <p:ext uri="{EFAFB233-063F-42B5-8137-9DF3F51BA10A}">
+      <p15:sldGuideLst xmlns:p15="http://schemas.microsoft.com/office/powerpoint/2012/main"/>
+    </p:ext>
+  </p:extLst>
 </p:presentation>
 </file>
 
@@ -273,7 +277,7 @@
           <a:p>
             <a:fld id="{E2032FCB-5EC8-474A-BD0A-DD9B8A9E0B3A}" type="datetimeFigureOut">
               <a:rPr lang="zh-CN" altLang="en-US" smtClean="0"/>
-              <a:t>2020/5/25</a:t>
+              <a:t>2020/5/30</a:t>
             </a:fld>
             <a:endParaRPr lang="zh-CN" altLang="en-US"/>
           </a:p>
@@ -471,7 +475,7 @@
           <a:p>
             <a:fld id="{E2032FCB-5EC8-474A-BD0A-DD9B8A9E0B3A}" type="datetimeFigureOut">
               <a:rPr lang="zh-CN" altLang="en-US" smtClean="0"/>
-              <a:t>2020/5/25</a:t>
+              <a:t>2020/5/30</a:t>
             </a:fld>
             <a:endParaRPr lang="zh-CN" altLang="en-US"/>
           </a:p>
@@ -679,7 +683,7 @@
           <a:p>
             <a:fld id="{E2032FCB-5EC8-474A-BD0A-DD9B8A9E0B3A}" type="datetimeFigureOut">
               <a:rPr lang="zh-CN" altLang="en-US" smtClean="0"/>
-              <a:t>2020/5/25</a:t>
+              <a:t>2020/5/30</a:t>
             </a:fld>
             <a:endParaRPr lang="zh-CN" altLang="en-US"/>
           </a:p>
@@ -877,7 +881,7 @@
           <a:p>
             <a:fld id="{E2032FCB-5EC8-474A-BD0A-DD9B8A9E0B3A}" type="datetimeFigureOut">
               <a:rPr lang="zh-CN" altLang="en-US" smtClean="0"/>
-              <a:t>2020/5/25</a:t>
+              <a:t>2020/5/30</a:t>
             </a:fld>
             <a:endParaRPr lang="zh-CN" altLang="en-US"/>
           </a:p>
@@ -1152,7 +1156,7 @@
           <a:p>
             <a:fld id="{E2032FCB-5EC8-474A-BD0A-DD9B8A9E0B3A}" type="datetimeFigureOut">
               <a:rPr lang="zh-CN" altLang="en-US" smtClean="0"/>
-              <a:t>2020/5/25</a:t>
+              <a:t>2020/5/30</a:t>
             </a:fld>
             <a:endParaRPr lang="zh-CN" altLang="en-US"/>
           </a:p>
@@ -1417,7 +1421,7 @@
           <a:p>
             <a:fld id="{E2032FCB-5EC8-474A-BD0A-DD9B8A9E0B3A}" type="datetimeFigureOut">
               <a:rPr lang="zh-CN" altLang="en-US" smtClean="0"/>
-              <a:t>2020/5/25</a:t>
+              <a:t>2020/5/30</a:t>
             </a:fld>
             <a:endParaRPr lang="zh-CN" altLang="en-US"/>
           </a:p>
@@ -1829,7 +1833,7 @@
           <a:p>
             <a:fld id="{E2032FCB-5EC8-474A-BD0A-DD9B8A9E0B3A}" type="datetimeFigureOut">
               <a:rPr lang="zh-CN" altLang="en-US" smtClean="0"/>
-              <a:t>2020/5/25</a:t>
+              <a:t>2020/5/30</a:t>
             </a:fld>
             <a:endParaRPr lang="zh-CN" altLang="en-US"/>
           </a:p>
@@ -1970,7 +1974,7 @@
           <a:p>
             <a:fld id="{E2032FCB-5EC8-474A-BD0A-DD9B8A9E0B3A}" type="datetimeFigureOut">
               <a:rPr lang="zh-CN" altLang="en-US" smtClean="0"/>
-              <a:t>2020/5/25</a:t>
+              <a:t>2020/5/30</a:t>
             </a:fld>
             <a:endParaRPr lang="zh-CN" altLang="en-US"/>
           </a:p>
@@ -2083,7 +2087,7 @@
           <a:p>
             <a:fld id="{E2032FCB-5EC8-474A-BD0A-DD9B8A9E0B3A}" type="datetimeFigureOut">
               <a:rPr lang="zh-CN" altLang="en-US" smtClean="0"/>
-              <a:t>2020/5/25</a:t>
+              <a:t>2020/5/30</a:t>
             </a:fld>
             <a:endParaRPr lang="zh-CN" altLang="en-US"/>
           </a:p>
@@ -2394,7 +2398,7 @@
           <a:p>
             <a:fld id="{E2032FCB-5EC8-474A-BD0A-DD9B8A9E0B3A}" type="datetimeFigureOut">
               <a:rPr lang="zh-CN" altLang="en-US" smtClean="0"/>
-              <a:t>2020/5/25</a:t>
+              <a:t>2020/5/30</a:t>
             </a:fld>
             <a:endParaRPr lang="zh-CN" altLang="en-US"/>
           </a:p>
@@ -2682,7 +2686,7 @@
           <a:p>
             <a:fld id="{E2032FCB-5EC8-474A-BD0A-DD9B8A9E0B3A}" type="datetimeFigureOut">
               <a:rPr lang="zh-CN" altLang="en-US" smtClean="0"/>
-              <a:t>2020/5/25</a:t>
+              <a:t>2020/5/30</a:t>
             </a:fld>
             <a:endParaRPr lang="zh-CN" altLang="en-US"/>
           </a:p>
@@ -2923,7 +2927,7 @@
           <a:p>
             <a:fld id="{E2032FCB-5EC8-474A-BD0A-DD9B8A9E0B3A}" type="datetimeFigureOut">
               <a:rPr lang="zh-CN" altLang="en-US" smtClean="0"/>
-              <a:t>2020/5/25</a:t>
+              <a:t>2020/5/30</a:t>
             </a:fld>
             <a:endParaRPr lang="zh-CN" altLang="en-US"/>
           </a:p>
@@ -3661,8 +3665,8 @@
           </a:p>
         </p:txBody>
       </p:sp>
-      <mc:AlternateContent xmlns:mc="http://schemas.openxmlformats.org/markup-compatibility/2006">
-        <mc:Choice xmlns:a14="http://schemas.microsoft.com/office/drawing/2010/main" Requires="a14">
+      <mc:AlternateContent xmlns:mc="http://schemas.openxmlformats.org/markup-compatibility/2006" xmlns:a14="http://schemas.microsoft.com/office/drawing/2010/main">
+        <mc:Choice Requires="a14">
           <p:sp>
             <p:nvSpPr>
               <p:cNvPr id="9" name="文本框 8">
@@ -3880,7 +3884,7 @@
             </p:txBody>
           </p:sp>
         </mc:Choice>
-        <mc:Fallback>
+        <mc:Fallback xmlns="">
           <p:sp>
             <p:nvSpPr>
               <p:cNvPr id="9" name="文本框 8">
@@ -4564,8 +4568,8 @@
           </a:p>
         </p:txBody>
       </p:sp>
-      <mc:AlternateContent xmlns:mc="http://schemas.openxmlformats.org/markup-compatibility/2006">
-        <mc:Choice xmlns:a14="http://schemas.microsoft.com/office/drawing/2010/main" Requires="a14">
+      <mc:AlternateContent xmlns:mc="http://schemas.openxmlformats.org/markup-compatibility/2006" xmlns:a14="http://schemas.microsoft.com/office/drawing/2010/main">
+        <mc:Choice Requires="a14">
           <p:sp>
             <p:nvSpPr>
               <p:cNvPr id="8" name="文本框 7">
@@ -4955,7 +4959,7 @@
             </p:txBody>
           </p:sp>
         </mc:Choice>
-        <mc:Fallback>
+        <mc:Fallback xmlns="">
           <p:sp>
             <p:nvSpPr>
               <p:cNvPr id="8" name="文本框 7">
@@ -5429,8 +5433,8 @@
         </p:nvSpPr>
         <p:spPr>
           <a:xfrm>
-            <a:off x="838200" y="2776756"/>
-            <a:ext cx="4771358" cy="2127634"/>
+            <a:off x="838200" y="2569007"/>
+            <a:ext cx="4771358" cy="2543132"/>
           </a:xfrm>
           <a:prstGeom prst="rect">
             <a:avLst/>
@@ -5505,6 +5509,19 @@
               <a:buChar char="•"/>
             </a:pPr>
             <a:r>
+              <a:rPr lang="en-US" altLang="zh-CN" dirty="0"/>
+              <a:t>Whole word Mask.</a:t>
+            </a:r>
+          </a:p>
+          <a:p>
+            <a:pPr marL="285750" indent="-285750">
+              <a:lnSpc>
+                <a:spcPct val="150000"/>
+              </a:lnSpc>
+              <a:buFont typeface="Arial" panose="020B0604020202020204" pitchFamily="34" charset="0"/>
+              <a:buChar char="•"/>
+            </a:pPr>
+            <a:r>
               <a:rPr lang="zh-CN" altLang="en-US" dirty="0"/>
               <a:t>在训练数据集上对其进行微调。</a:t>
             </a:r>
@@ -5525,8 +5542,8 @@
         </p:nvSpPr>
         <p:spPr>
           <a:xfrm>
-            <a:off x="0" y="6492875"/>
-            <a:ext cx="7728438" cy="307777"/>
+            <a:off x="0" y="6334780"/>
+            <a:ext cx="7728438" cy="523220"/>
           </a:xfrm>
           <a:prstGeom prst="rect">
             <a:avLst/>
@@ -5543,7 +5560,12 @@
               <a:rPr lang="en-US" altLang="zh-CN" sz="1400" dirty="0"/>
               <a:t>[BERT: Pre-training of Deep Bidirectional Transformers for Language Understanding, 2018]</a:t>
             </a:r>
-            <a:endParaRPr lang="zh-CN" altLang="en-US" sz="1400" dirty="0"/>
+          </a:p>
+          <a:p>
+            <a:r>
+              <a:rPr lang="en-US" altLang="zh-CN" sz="1400" dirty="0"/>
+              <a:t>[Pre-Training with Whole Word Masking for Chinese BERT, 2019]</a:t>
+            </a:r>
           </a:p>
         </p:txBody>
       </p:sp>
@@ -5551,1765 +5573,6 @@
     <p:extLst>
       <p:ext uri="{BB962C8B-B14F-4D97-AF65-F5344CB8AC3E}">
         <p14:creationId xmlns:p14="http://schemas.microsoft.com/office/powerpoint/2010/main" val="2298257169"/>
-      </p:ext>
-    </p:extLst>
-  </p:cSld>
-  <p:clrMapOvr>
-    <a:masterClrMapping/>
-  </p:clrMapOvr>
-</p:sld>
-</file>
-
-<file path=ppt/slides/slide8.xml><?xml version="1.0" encoding="utf-8"?>
-<p:sld xmlns:a="http://schemas.openxmlformats.org/drawingml/2006/main" xmlns:r="http://schemas.openxmlformats.org/officeDocument/2006/relationships" xmlns:p="http://schemas.openxmlformats.org/presentationml/2006/main">
-  <p:cSld>
-    <p:spTree>
-      <p:nvGrpSpPr>
-        <p:cNvPr id="1" name=""/>
-        <p:cNvGrpSpPr/>
-        <p:nvPr/>
-      </p:nvGrpSpPr>
-      <p:grpSpPr>
-        <a:xfrm>
-          <a:off x="0" y="0"/>
-          <a:ext cx="0" cy="0"/>
-          <a:chOff x="0" y="0"/>
-          <a:chExt cx="0" cy="0"/>
-        </a:xfrm>
-      </p:grpSpPr>
-      <p:sp>
-        <p:nvSpPr>
-          <p:cNvPr id="2" name="标题 1">
-            <a:extLst>
-              <a:ext uri="{FF2B5EF4-FFF2-40B4-BE49-F238E27FC236}">
-                <a16:creationId xmlns:a16="http://schemas.microsoft.com/office/drawing/2014/main" id="{24A2AB55-5559-4FDE-AAD5-8937B92A5B5E}"/>
-              </a:ext>
-            </a:extLst>
-          </p:cNvPr>
-          <p:cNvSpPr>
-            <a:spLocks noGrp="1"/>
-          </p:cNvSpPr>
-          <p:nvPr>
-            <p:ph type="title"/>
-          </p:nvPr>
-        </p:nvSpPr>
-        <p:spPr/>
-        <p:txBody>
-          <a:bodyPr/>
-          <a:lstStyle/>
-          <a:p>
-            <a:r>
-              <a:rPr lang="en-US" altLang="zh-CN" dirty="0"/>
-              <a:t>Performance</a:t>
-            </a:r>
-            <a:endParaRPr lang="zh-CN" altLang="en-US" dirty="0"/>
-          </a:p>
-        </p:txBody>
-      </p:sp>
-      <p:graphicFrame>
-        <p:nvGraphicFramePr>
-          <p:cNvPr id="4" name="内容占位符 3">
-            <a:extLst>
-              <a:ext uri="{FF2B5EF4-FFF2-40B4-BE49-F238E27FC236}">
-                <a16:creationId xmlns:a16="http://schemas.microsoft.com/office/drawing/2014/main" id="{63F1A426-13E4-4DCC-A5BA-B6461DD9421B}"/>
-              </a:ext>
-            </a:extLst>
-          </p:cNvPr>
-          <p:cNvGraphicFramePr>
-            <a:graphicFrameLocks noGrp="1"/>
-          </p:cNvGraphicFramePr>
-          <p:nvPr>
-            <p:ph idx="1"/>
-            <p:extLst>
-              <p:ext uri="{D42A27DB-BD31-4B8C-83A1-F6EECF244321}">
-                <p14:modId xmlns:p14="http://schemas.microsoft.com/office/powerpoint/2010/main" val="109994319"/>
-              </p:ext>
-            </p:extLst>
-          </p:nvPr>
-        </p:nvGraphicFramePr>
-        <p:xfrm>
-          <a:off x="838200" y="2172494"/>
-          <a:ext cx="10515600" cy="3657600"/>
-        </p:xfrm>
-        <a:graphic>
-          <a:graphicData uri="http://schemas.openxmlformats.org/drawingml/2006/table">
-            <a:tbl>
-              <a:tblPr lastRow="1">
-                <a:tableStyleId>{2D5ABB26-0587-4C30-8999-92F81FD0307C}</a:tableStyleId>
-              </a:tblPr>
-              <a:tblGrid>
-                <a:gridCol w="3505200">
-                  <a:extLst>
-                    <a:ext uri="{9D8B030D-6E8A-4147-A177-3AD203B41FA5}">
-                      <a16:colId xmlns:a16="http://schemas.microsoft.com/office/drawing/2014/main" val="2644543959"/>
-                    </a:ext>
-                  </a:extLst>
-                </a:gridCol>
-                <a:gridCol w="3505200">
-                  <a:extLst>
-                    <a:ext uri="{9D8B030D-6E8A-4147-A177-3AD203B41FA5}">
-                      <a16:colId xmlns:a16="http://schemas.microsoft.com/office/drawing/2014/main" val="603199193"/>
-                    </a:ext>
-                  </a:extLst>
-                </a:gridCol>
-                <a:gridCol w="3505200">
-                  <a:extLst>
-                    <a:ext uri="{9D8B030D-6E8A-4147-A177-3AD203B41FA5}">
-                      <a16:colId xmlns:a16="http://schemas.microsoft.com/office/drawing/2014/main" val="3324612548"/>
-                    </a:ext>
-                  </a:extLst>
-                </a:gridCol>
-              </a:tblGrid>
-              <a:tr h="0">
-                <a:tc>
-                  <a:txBody>
-                    <a:bodyPr/>
-                    <a:lstStyle/>
-                    <a:p>
-                      <a:r>
-                        <a:rPr lang="en-US" dirty="0">
-                          <a:effectLst/>
-                        </a:rPr>
-                        <a:t>Model</a:t>
-                      </a:r>
-                    </a:p>
-                  </a:txBody>
-                  <a:tcPr anchor="ctr">
-                    <a:lnL w="19050" cap="flat" cmpd="sng" algn="ctr">
-                      <a:solidFill>
-                        <a:schemeClr val="tx1"/>
-                      </a:solidFill>
-                      <a:prstDash val="solid"/>
-                      <a:round/>
-                      <a:headEnd type="none" w="med" len="med"/>
-                      <a:tailEnd type="none" w="med" len="med"/>
-                    </a:lnL>
-                    <a:lnR w="19050" cap="flat" cmpd="sng" algn="ctr">
-                      <a:solidFill>
-                        <a:schemeClr val="tx1"/>
-                      </a:solidFill>
-                      <a:prstDash val="solid"/>
-                      <a:round/>
-                      <a:headEnd type="none" w="med" len="med"/>
-                      <a:tailEnd type="none" w="med" len="med"/>
-                    </a:lnR>
-                    <a:lnT w="19050" cap="flat" cmpd="sng" algn="ctr">
-                      <a:solidFill>
-                        <a:schemeClr val="tx1"/>
-                      </a:solidFill>
-                      <a:prstDash val="solid"/>
-                      <a:round/>
-                      <a:headEnd type="none" w="med" len="med"/>
-                      <a:tailEnd type="none" w="med" len="med"/>
-                    </a:lnT>
-                    <a:lnB w="19050" cap="flat" cmpd="sng" algn="ctr">
-                      <a:solidFill>
-                        <a:schemeClr val="tx1"/>
-                      </a:solidFill>
-                      <a:prstDash val="solid"/>
-                      <a:round/>
-                      <a:headEnd type="none" w="med" len="med"/>
-                      <a:tailEnd type="none" w="med" len="med"/>
-                    </a:lnB>
-                  </a:tcPr>
-                </a:tc>
-                <a:tc>
-                  <a:txBody>
-                    <a:bodyPr/>
-                    <a:lstStyle/>
-                    <a:p>
-                      <a:r>
-                        <a:rPr lang="en-US" dirty="0">
-                          <a:effectLst/>
-                        </a:rPr>
-                        <a:t>Acc</a:t>
-                      </a:r>
-                    </a:p>
-                  </a:txBody>
-                  <a:tcPr anchor="ctr">
-                    <a:lnL w="19050" cap="flat" cmpd="sng" algn="ctr">
-                      <a:solidFill>
-                        <a:schemeClr val="tx1"/>
-                      </a:solidFill>
-                      <a:prstDash val="solid"/>
-                      <a:round/>
-                      <a:headEnd type="none" w="med" len="med"/>
-                      <a:tailEnd type="none" w="med" len="med"/>
-                    </a:lnL>
-                    <a:lnR w="19050" cap="flat" cmpd="sng" algn="ctr">
-                      <a:solidFill>
-                        <a:schemeClr val="tx1"/>
-                      </a:solidFill>
-                      <a:prstDash val="solid"/>
-                      <a:round/>
-                      <a:headEnd type="none" w="med" len="med"/>
-                      <a:tailEnd type="none" w="med" len="med"/>
-                    </a:lnR>
-                    <a:lnT w="19050" cap="flat" cmpd="sng" algn="ctr">
-                      <a:solidFill>
-                        <a:schemeClr val="tx1"/>
-                      </a:solidFill>
-                      <a:prstDash val="solid"/>
-                      <a:round/>
-                      <a:headEnd type="none" w="med" len="med"/>
-                      <a:tailEnd type="none" w="med" len="med"/>
-                    </a:lnT>
-                    <a:lnB w="19050" cap="flat" cmpd="sng" algn="ctr">
-                      <a:solidFill>
-                        <a:schemeClr val="tx1"/>
-                      </a:solidFill>
-                      <a:prstDash val="solid"/>
-                      <a:round/>
-                      <a:headEnd type="none" w="med" len="med"/>
-                      <a:tailEnd type="none" w="med" len="med"/>
-                    </a:lnB>
-                  </a:tcPr>
-                </a:tc>
-                <a:tc>
-                  <a:txBody>
-                    <a:bodyPr/>
-                    <a:lstStyle/>
-                    <a:p>
-                      <a:r>
-                        <a:rPr lang="zh-CN" altLang="en-US" dirty="0">
-                          <a:effectLst/>
-                        </a:rPr>
-                        <a:t>注</a:t>
-                      </a:r>
-                    </a:p>
-                  </a:txBody>
-                  <a:tcPr anchor="ctr">
-                    <a:lnL w="19050" cap="flat" cmpd="sng" algn="ctr">
-                      <a:solidFill>
-                        <a:schemeClr val="tx1"/>
-                      </a:solidFill>
-                      <a:prstDash val="solid"/>
-                      <a:round/>
-                      <a:headEnd type="none" w="med" len="med"/>
-                      <a:tailEnd type="none" w="med" len="med"/>
-                    </a:lnL>
-                    <a:lnR w="19050" cap="flat" cmpd="sng" algn="ctr">
-                      <a:solidFill>
-                        <a:schemeClr val="tx1"/>
-                      </a:solidFill>
-                      <a:prstDash val="solid"/>
-                      <a:round/>
-                      <a:headEnd type="none" w="med" len="med"/>
-                      <a:tailEnd type="none" w="med" len="med"/>
-                    </a:lnR>
-                    <a:lnT w="19050" cap="flat" cmpd="sng" algn="ctr">
-                      <a:solidFill>
-                        <a:schemeClr val="tx1"/>
-                      </a:solidFill>
-                      <a:prstDash val="solid"/>
-                      <a:round/>
-                      <a:headEnd type="none" w="med" len="med"/>
-                      <a:tailEnd type="none" w="med" len="med"/>
-                    </a:lnT>
-                    <a:lnB w="19050" cap="flat" cmpd="sng" algn="ctr">
-                      <a:solidFill>
-                        <a:schemeClr val="tx1"/>
-                      </a:solidFill>
-                      <a:prstDash val="solid"/>
-                      <a:round/>
-                      <a:headEnd type="none" w="med" len="med"/>
-                      <a:tailEnd type="none" w="med" len="med"/>
-                    </a:lnB>
-                  </a:tcPr>
-                </a:tc>
-                <a:extLst>
-                  <a:ext uri="{0D108BD9-81ED-4DB2-BD59-A6C34878D82A}">
-                    <a16:rowId xmlns:a16="http://schemas.microsoft.com/office/drawing/2014/main" val="371668087"/>
-                  </a:ext>
-                </a:extLst>
-              </a:tr>
-              <a:tr h="0">
-                <a:tc>
-                  <a:txBody>
-                    <a:bodyPr/>
-                    <a:lstStyle/>
-                    <a:p>
-                      <a:r>
-                        <a:rPr lang="en-US" dirty="0" err="1">
-                          <a:effectLst/>
-                        </a:rPr>
-                        <a:t>fastText</a:t>
-                      </a:r>
-                      <a:r>
-                        <a:rPr lang="en-US" dirty="0">
-                          <a:effectLst/>
-                        </a:rPr>
-                        <a:t> (bow)</a:t>
-                      </a:r>
-                    </a:p>
-                  </a:txBody>
-                  <a:tcPr anchor="ctr">
-                    <a:lnL w="19050" cap="flat" cmpd="sng" algn="ctr">
-                      <a:solidFill>
-                        <a:schemeClr val="tx1"/>
-                      </a:solidFill>
-                      <a:prstDash val="solid"/>
-                      <a:round/>
-                      <a:headEnd type="none" w="med" len="med"/>
-                      <a:tailEnd type="none" w="med" len="med"/>
-                    </a:lnL>
-                    <a:lnR w="19050" cap="flat" cmpd="sng" algn="ctr">
-                      <a:solidFill>
-                        <a:schemeClr val="tx1"/>
-                      </a:solidFill>
-                      <a:prstDash val="solid"/>
-                      <a:round/>
-                      <a:headEnd type="none" w="med" len="med"/>
-                      <a:tailEnd type="none" w="med" len="med"/>
-                    </a:lnR>
-                    <a:lnT w="19050" cap="flat" cmpd="sng" algn="ctr">
-                      <a:solidFill>
-                        <a:schemeClr val="tx1"/>
-                      </a:solidFill>
-                      <a:prstDash val="solid"/>
-                      <a:round/>
-                      <a:headEnd type="none" w="med" len="med"/>
-                      <a:tailEnd type="none" w="med" len="med"/>
-                    </a:lnT>
-                    <a:lnB w="19050" cap="flat" cmpd="sng" algn="ctr">
-                      <a:solidFill>
-                        <a:schemeClr val="tx1"/>
-                      </a:solidFill>
-                      <a:prstDash val="solid"/>
-                      <a:round/>
-                      <a:headEnd type="none" w="med" len="med"/>
-                      <a:tailEnd type="none" w="med" len="med"/>
-                    </a:lnB>
-                  </a:tcPr>
-                </a:tc>
-                <a:tc>
-                  <a:txBody>
-                    <a:bodyPr/>
-                    <a:lstStyle/>
-                    <a:p>
-                      <a:r>
-                        <a:rPr lang="en-US" altLang="zh-CN" dirty="0">
-                          <a:effectLst/>
-                        </a:rPr>
-                        <a:t>90.01%</a:t>
-                      </a:r>
-                    </a:p>
-                  </a:txBody>
-                  <a:tcPr anchor="ctr">
-                    <a:lnL w="19050" cap="flat" cmpd="sng" algn="ctr">
-                      <a:solidFill>
-                        <a:schemeClr val="tx1"/>
-                      </a:solidFill>
-                      <a:prstDash val="solid"/>
-                      <a:round/>
-                      <a:headEnd type="none" w="med" len="med"/>
-                      <a:tailEnd type="none" w="med" len="med"/>
-                    </a:lnL>
-                    <a:lnR w="19050" cap="flat" cmpd="sng" algn="ctr">
-                      <a:solidFill>
-                        <a:schemeClr val="tx1"/>
-                      </a:solidFill>
-                      <a:prstDash val="solid"/>
-                      <a:round/>
-                      <a:headEnd type="none" w="med" len="med"/>
-                      <a:tailEnd type="none" w="med" len="med"/>
-                    </a:lnR>
-                    <a:lnT w="19050" cap="flat" cmpd="sng" algn="ctr">
-                      <a:solidFill>
-                        <a:schemeClr val="tx1"/>
-                      </a:solidFill>
-                      <a:prstDash val="solid"/>
-                      <a:round/>
-                      <a:headEnd type="none" w="med" len="med"/>
-                      <a:tailEnd type="none" w="med" len="med"/>
-                    </a:lnT>
-                    <a:lnB w="19050" cap="flat" cmpd="sng" algn="ctr">
-                      <a:solidFill>
-                        <a:schemeClr val="tx1"/>
-                      </a:solidFill>
-                      <a:prstDash val="solid"/>
-                      <a:round/>
-                      <a:headEnd type="none" w="med" len="med"/>
-                      <a:tailEnd type="none" w="med" len="med"/>
-                    </a:lnB>
-                  </a:tcPr>
-                </a:tc>
-                <a:tc rowSpan="3">
-                  <a:txBody>
-                    <a:bodyPr/>
-                    <a:lstStyle/>
-                    <a:p>
-                      <a:r>
-                        <a:rPr lang="zh-CN" altLang="en-US" dirty="0">
-                          <a:effectLst/>
-                        </a:rPr>
-                        <a:t>随机初始化词向量</a:t>
-                      </a:r>
-                    </a:p>
-                  </a:txBody>
-                  <a:tcPr anchor="ctr">
-                    <a:lnL w="19050" cap="flat" cmpd="sng" algn="ctr">
-                      <a:solidFill>
-                        <a:schemeClr val="tx1"/>
-                      </a:solidFill>
-                      <a:prstDash val="solid"/>
-                      <a:round/>
-                      <a:headEnd type="none" w="med" len="med"/>
-                      <a:tailEnd type="none" w="med" len="med"/>
-                    </a:lnL>
-                    <a:lnR w="19050" cap="flat" cmpd="sng" algn="ctr">
-                      <a:solidFill>
-                        <a:schemeClr val="tx1"/>
-                      </a:solidFill>
-                      <a:prstDash val="solid"/>
-                      <a:round/>
-                      <a:headEnd type="none" w="med" len="med"/>
-                      <a:tailEnd type="none" w="med" len="med"/>
-                    </a:lnR>
-                    <a:lnT w="19050" cap="flat" cmpd="sng" algn="ctr">
-                      <a:solidFill>
-                        <a:schemeClr val="tx1"/>
-                      </a:solidFill>
-                      <a:prstDash val="solid"/>
-                      <a:round/>
-                      <a:headEnd type="none" w="med" len="med"/>
-                      <a:tailEnd type="none" w="med" len="med"/>
-                    </a:lnT>
-                    <a:lnB w="19050" cap="flat" cmpd="sng" algn="ctr">
-                      <a:solidFill>
-                        <a:schemeClr val="tx1"/>
-                      </a:solidFill>
-                      <a:prstDash val="solid"/>
-                      <a:round/>
-                      <a:headEnd type="none" w="med" len="med"/>
-                      <a:tailEnd type="none" w="med" len="med"/>
-                    </a:lnB>
-                  </a:tcPr>
-                </a:tc>
-                <a:extLst>
-                  <a:ext uri="{0D108BD9-81ED-4DB2-BD59-A6C34878D82A}">
-                    <a16:rowId xmlns:a16="http://schemas.microsoft.com/office/drawing/2014/main" val="1392394311"/>
-                  </a:ext>
-                </a:extLst>
-              </a:tr>
-              <a:tr h="0">
-                <a:tc>
-                  <a:txBody>
-                    <a:bodyPr/>
-                    <a:lstStyle/>
-                    <a:p>
-                      <a:r>
-                        <a:rPr lang="en-US">
-                          <a:effectLst/>
-                        </a:rPr>
-                        <a:t>fastText(2-gram)</a:t>
-                      </a:r>
-                    </a:p>
-                  </a:txBody>
-                  <a:tcPr anchor="ctr">
-                    <a:lnL w="19050" cap="flat" cmpd="sng" algn="ctr">
-                      <a:solidFill>
-                        <a:schemeClr val="tx1"/>
-                      </a:solidFill>
-                      <a:prstDash val="solid"/>
-                      <a:round/>
-                      <a:headEnd type="none" w="med" len="med"/>
-                      <a:tailEnd type="none" w="med" len="med"/>
-                    </a:lnL>
-                    <a:lnR w="19050" cap="flat" cmpd="sng" algn="ctr">
-                      <a:solidFill>
-                        <a:schemeClr val="tx1"/>
-                      </a:solidFill>
-                      <a:prstDash val="solid"/>
-                      <a:round/>
-                      <a:headEnd type="none" w="med" len="med"/>
-                      <a:tailEnd type="none" w="med" len="med"/>
-                    </a:lnR>
-                    <a:lnT w="19050" cap="flat" cmpd="sng" algn="ctr">
-                      <a:solidFill>
-                        <a:schemeClr val="tx1"/>
-                      </a:solidFill>
-                      <a:prstDash val="solid"/>
-                      <a:round/>
-                      <a:headEnd type="none" w="med" len="med"/>
-                      <a:tailEnd type="none" w="med" len="med"/>
-                    </a:lnT>
-                    <a:lnB w="19050" cap="flat" cmpd="sng" algn="ctr">
-                      <a:solidFill>
-                        <a:schemeClr val="tx1"/>
-                      </a:solidFill>
-                      <a:prstDash val="solid"/>
-                      <a:round/>
-                      <a:headEnd type="none" w="med" len="med"/>
-                      <a:tailEnd type="none" w="med" len="med"/>
-                    </a:lnB>
-                  </a:tcPr>
-                </a:tc>
-                <a:tc>
-                  <a:txBody>
-                    <a:bodyPr/>
-                    <a:lstStyle/>
-                    <a:p>
-                      <a:r>
-                        <a:rPr lang="en-US" altLang="zh-CN" dirty="0">
-                          <a:effectLst/>
-                        </a:rPr>
-                        <a:t>90.01%</a:t>
-                      </a:r>
-                    </a:p>
-                  </a:txBody>
-                  <a:tcPr anchor="ctr">
-                    <a:lnL w="19050" cap="flat" cmpd="sng" algn="ctr">
-                      <a:solidFill>
-                        <a:schemeClr val="tx1"/>
-                      </a:solidFill>
-                      <a:prstDash val="solid"/>
-                      <a:round/>
-                      <a:headEnd type="none" w="med" len="med"/>
-                      <a:tailEnd type="none" w="med" len="med"/>
-                    </a:lnL>
-                    <a:lnR w="19050" cap="flat" cmpd="sng" algn="ctr">
-                      <a:solidFill>
-                        <a:schemeClr val="tx1"/>
-                      </a:solidFill>
-                      <a:prstDash val="solid"/>
-                      <a:round/>
-                      <a:headEnd type="none" w="med" len="med"/>
-                      <a:tailEnd type="none" w="med" len="med"/>
-                    </a:lnR>
-                    <a:lnT w="19050" cap="flat" cmpd="sng" algn="ctr">
-                      <a:solidFill>
-                        <a:schemeClr val="tx1"/>
-                      </a:solidFill>
-                      <a:prstDash val="solid"/>
-                      <a:round/>
-                      <a:headEnd type="none" w="med" len="med"/>
-                      <a:tailEnd type="none" w="med" len="med"/>
-                    </a:lnT>
-                    <a:lnB w="19050" cap="flat" cmpd="sng" algn="ctr">
-                      <a:solidFill>
-                        <a:schemeClr val="tx1"/>
-                      </a:solidFill>
-                      <a:prstDash val="solid"/>
-                      <a:round/>
-                      <a:headEnd type="none" w="med" len="med"/>
-                      <a:tailEnd type="none" w="med" len="med"/>
-                    </a:lnB>
-                  </a:tcPr>
-                </a:tc>
-                <a:tc vMerge="1">
-                  <a:txBody>
-                    <a:bodyPr/>
-                    <a:lstStyle/>
-                    <a:p>
-                      <a:endParaRPr lang="zh-CN" altLang="en-US">
-                        <a:effectLst/>
-                      </a:endParaRPr>
-                    </a:p>
-                  </a:txBody>
-                  <a:tcPr anchor="ctr">
-                    <a:lnL w="19050" cap="flat" cmpd="sng" algn="ctr">
-                      <a:solidFill>
-                        <a:schemeClr val="tx1"/>
-                      </a:solidFill>
-                      <a:prstDash val="solid"/>
-                      <a:round/>
-                      <a:headEnd type="none" w="med" len="med"/>
-                      <a:tailEnd type="none" w="med" len="med"/>
-                    </a:lnL>
-                    <a:lnR w="19050" cap="flat" cmpd="sng" algn="ctr">
-                      <a:solidFill>
-                        <a:schemeClr val="tx1"/>
-                      </a:solidFill>
-                      <a:prstDash val="solid"/>
-                      <a:round/>
-                      <a:headEnd type="none" w="med" len="med"/>
-                      <a:tailEnd type="none" w="med" len="med"/>
-                    </a:lnR>
-                    <a:lnT w="19050" cap="flat" cmpd="sng" algn="ctr">
-                      <a:solidFill>
-                        <a:schemeClr val="tx1"/>
-                      </a:solidFill>
-                      <a:prstDash val="solid"/>
-                      <a:round/>
-                      <a:headEnd type="none" w="med" len="med"/>
-                      <a:tailEnd type="none" w="med" len="med"/>
-                    </a:lnT>
-                    <a:lnB w="19050" cap="flat" cmpd="sng" algn="ctr">
-                      <a:solidFill>
-                        <a:schemeClr val="tx1"/>
-                      </a:solidFill>
-                      <a:prstDash val="solid"/>
-                      <a:round/>
-                      <a:headEnd type="none" w="med" len="med"/>
-                      <a:tailEnd type="none" w="med" len="med"/>
-                    </a:lnB>
-                  </a:tcPr>
-                </a:tc>
-                <a:extLst>
-                  <a:ext uri="{0D108BD9-81ED-4DB2-BD59-A6C34878D82A}">
-                    <a16:rowId xmlns:a16="http://schemas.microsoft.com/office/drawing/2014/main" val="3157992650"/>
-                  </a:ext>
-                </a:extLst>
-              </a:tr>
-              <a:tr h="0">
-                <a:tc>
-                  <a:txBody>
-                    <a:bodyPr/>
-                    <a:lstStyle/>
-                    <a:p>
-                      <a:r>
-                        <a:rPr lang="en-US">
-                          <a:effectLst/>
-                        </a:rPr>
-                        <a:t>fastText(3-gram)</a:t>
-                      </a:r>
-                    </a:p>
-                  </a:txBody>
-                  <a:tcPr anchor="ctr">
-                    <a:lnL w="19050" cap="flat" cmpd="sng" algn="ctr">
-                      <a:solidFill>
-                        <a:schemeClr val="tx1"/>
-                      </a:solidFill>
-                      <a:prstDash val="solid"/>
-                      <a:round/>
-                      <a:headEnd type="none" w="med" len="med"/>
-                      <a:tailEnd type="none" w="med" len="med"/>
-                    </a:lnL>
-                    <a:lnR w="19050" cap="flat" cmpd="sng" algn="ctr">
-                      <a:solidFill>
-                        <a:schemeClr val="tx1"/>
-                      </a:solidFill>
-                      <a:prstDash val="solid"/>
-                      <a:round/>
-                      <a:headEnd type="none" w="med" len="med"/>
-                      <a:tailEnd type="none" w="med" len="med"/>
-                    </a:lnR>
-                    <a:lnT w="19050" cap="flat" cmpd="sng" algn="ctr">
-                      <a:solidFill>
-                        <a:schemeClr val="tx1"/>
-                      </a:solidFill>
-                      <a:prstDash val="solid"/>
-                      <a:round/>
-                      <a:headEnd type="none" w="med" len="med"/>
-                      <a:tailEnd type="none" w="med" len="med"/>
-                    </a:lnT>
-                    <a:lnB w="19050" cap="flat" cmpd="sng" algn="ctr">
-                      <a:solidFill>
-                        <a:schemeClr val="tx1"/>
-                      </a:solidFill>
-                      <a:prstDash val="solid"/>
-                      <a:round/>
-                      <a:headEnd type="none" w="med" len="med"/>
-                      <a:tailEnd type="none" w="med" len="med"/>
-                    </a:lnB>
-                  </a:tcPr>
-                </a:tc>
-                <a:tc>
-                  <a:txBody>
-                    <a:bodyPr/>
-                    <a:lstStyle/>
-                    <a:p>
-                      <a:r>
-                        <a:rPr lang="en-US" altLang="zh-CN" dirty="0">
-                          <a:effectLst/>
-                        </a:rPr>
-                        <a:t>92.54%</a:t>
-                      </a:r>
-                    </a:p>
-                  </a:txBody>
-                  <a:tcPr anchor="ctr">
-                    <a:lnL w="19050" cap="flat" cmpd="sng" algn="ctr">
-                      <a:solidFill>
-                        <a:schemeClr val="tx1"/>
-                      </a:solidFill>
-                      <a:prstDash val="solid"/>
-                      <a:round/>
-                      <a:headEnd type="none" w="med" len="med"/>
-                      <a:tailEnd type="none" w="med" len="med"/>
-                    </a:lnL>
-                    <a:lnR w="19050" cap="flat" cmpd="sng" algn="ctr">
-                      <a:solidFill>
-                        <a:schemeClr val="tx1"/>
-                      </a:solidFill>
-                      <a:prstDash val="solid"/>
-                      <a:round/>
-                      <a:headEnd type="none" w="med" len="med"/>
-                      <a:tailEnd type="none" w="med" len="med"/>
-                    </a:lnR>
-                    <a:lnT w="19050" cap="flat" cmpd="sng" algn="ctr">
-                      <a:solidFill>
-                        <a:schemeClr val="tx1"/>
-                      </a:solidFill>
-                      <a:prstDash val="solid"/>
-                      <a:round/>
-                      <a:headEnd type="none" w="med" len="med"/>
-                      <a:tailEnd type="none" w="med" len="med"/>
-                    </a:lnT>
-                    <a:lnB w="19050" cap="flat" cmpd="sng" algn="ctr">
-                      <a:solidFill>
-                        <a:schemeClr val="tx1"/>
-                      </a:solidFill>
-                      <a:prstDash val="solid"/>
-                      <a:round/>
-                      <a:headEnd type="none" w="med" len="med"/>
-                      <a:tailEnd type="none" w="med" len="med"/>
-                    </a:lnB>
-                  </a:tcPr>
-                </a:tc>
-                <a:tc vMerge="1">
-                  <a:txBody>
-                    <a:bodyPr/>
-                    <a:lstStyle/>
-                    <a:p>
-                      <a:endParaRPr lang="zh-CN" altLang="en-US" dirty="0">
-                        <a:effectLst/>
-                      </a:endParaRPr>
-                    </a:p>
-                  </a:txBody>
-                  <a:tcPr anchor="ctr">
-                    <a:lnL w="19050" cap="flat" cmpd="sng" algn="ctr">
-                      <a:solidFill>
-                        <a:schemeClr val="tx1"/>
-                      </a:solidFill>
-                      <a:prstDash val="solid"/>
-                      <a:round/>
-                      <a:headEnd type="none" w="med" len="med"/>
-                      <a:tailEnd type="none" w="med" len="med"/>
-                    </a:lnL>
-                    <a:lnR w="19050" cap="flat" cmpd="sng" algn="ctr">
-                      <a:solidFill>
-                        <a:schemeClr val="tx1"/>
-                      </a:solidFill>
-                      <a:prstDash val="solid"/>
-                      <a:round/>
-                      <a:headEnd type="none" w="med" len="med"/>
-                      <a:tailEnd type="none" w="med" len="med"/>
-                    </a:lnR>
-                    <a:lnT w="19050" cap="flat" cmpd="sng" algn="ctr">
-                      <a:solidFill>
-                        <a:schemeClr val="tx1"/>
-                      </a:solidFill>
-                      <a:prstDash val="solid"/>
-                      <a:round/>
-                      <a:headEnd type="none" w="med" len="med"/>
-                      <a:tailEnd type="none" w="med" len="med"/>
-                    </a:lnT>
-                    <a:lnB w="19050" cap="flat" cmpd="sng" algn="ctr">
-                      <a:solidFill>
-                        <a:schemeClr val="tx1"/>
-                      </a:solidFill>
-                      <a:prstDash val="solid"/>
-                      <a:round/>
-                      <a:headEnd type="none" w="med" len="med"/>
-                      <a:tailEnd type="none" w="med" len="med"/>
-                    </a:lnB>
-                  </a:tcPr>
-                </a:tc>
-                <a:extLst>
-                  <a:ext uri="{0D108BD9-81ED-4DB2-BD59-A6C34878D82A}">
-                    <a16:rowId xmlns:a16="http://schemas.microsoft.com/office/drawing/2014/main" val="3784994155"/>
-                  </a:ext>
-                </a:extLst>
-              </a:tr>
-              <a:tr h="0">
-                <a:tc>
-                  <a:txBody>
-                    <a:bodyPr/>
-                    <a:lstStyle/>
-                    <a:p>
-                      <a:r>
-                        <a:rPr lang="en-US">
-                          <a:effectLst/>
-                        </a:rPr>
-                        <a:t>TextCNN</a:t>
-                      </a:r>
-                    </a:p>
-                  </a:txBody>
-                  <a:tcPr anchor="ctr">
-                    <a:lnL w="19050" cap="flat" cmpd="sng" algn="ctr">
-                      <a:solidFill>
-                        <a:schemeClr val="tx1"/>
-                      </a:solidFill>
-                      <a:prstDash val="solid"/>
-                      <a:round/>
-                      <a:headEnd type="none" w="med" len="med"/>
-                      <a:tailEnd type="none" w="med" len="med"/>
-                    </a:lnL>
-                    <a:lnR w="19050" cap="flat" cmpd="sng" algn="ctr">
-                      <a:solidFill>
-                        <a:schemeClr val="tx1"/>
-                      </a:solidFill>
-                      <a:prstDash val="solid"/>
-                      <a:round/>
-                      <a:headEnd type="none" w="med" len="med"/>
-                      <a:tailEnd type="none" w="med" len="med"/>
-                    </a:lnR>
-                    <a:lnT w="19050" cap="flat" cmpd="sng" algn="ctr">
-                      <a:solidFill>
-                        <a:schemeClr val="tx1"/>
-                      </a:solidFill>
-                      <a:prstDash val="solid"/>
-                      <a:round/>
-                      <a:headEnd type="none" w="med" len="med"/>
-                      <a:tailEnd type="none" w="med" len="med"/>
-                    </a:lnT>
-                    <a:lnB w="19050" cap="flat" cmpd="sng" algn="ctr">
-                      <a:solidFill>
-                        <a:schemeClr val="tx1"/>
-                      </a:solidFill>
-                      <a:prstDash val="solid"/>
-                      <a:round/>
-                      <a:headEnd type="none" w="med" len="med"/>
-                      <a:tailEnd type="none" w="med" len="med"/>
-                    </a:lnB>
-                  </a:tcPr>
-                </a:tc>
-                <a:tc>
-                  <a:txBody>
-                    <a:bodyPr/>
-                    <a:lstStyle/>
-                    <a:p>
-                      <a:r>
-                        <a:rPr lang="en-US" altLang="zh-CN">
-                          <a:effectLst/>
-                        </a:rPr>
-                        <a:t>91.48%</a:t>
-                      </a:r>
-                    </a:p>
-                  </a:txBody>
-                  <a:tcPr anchor="ctr">
-                    <a:lnL w="19050" cap="flat" cmpd="sng" algn="ctr">
-                      <a:solidFill>
-                        <a:schemeClr val="tx1"/>
-                      </a:solidFill>
-                      <a:prstDash val="solid"/>
-                      <a:round/>
-                      <a:headEnd type="none" w="med" len="med"/>
-                      <a:tailEnd type="none" w="med" len="med"/>
-                    </a:lnL>
-                    <a:lnR w="19050" cap="flat" cmpd="sng" algn="ctr">
-                      <a:solidFill>
-                        <a:schemeClr val="tx1"/>
-                      </a:solidFill>
-                      <a:prstDash val="solid"/>
-                      <a:round/>
-                      <a:headEnd type="none" w="med" len="med"/>
-                      <a:tailEnd type="none" w="med" len="med"/>
-                    </a:lnR>
-                    <a:lnT w="19050" cap="flat" cmpd="sng" algn="ctr">
-                      <a:solidFill>
-                        <a:schemeClr val="tx1"/>
-                      </a:solidFill>
-                      <a:prstDash val="solid"/>
-                      <a:round/>
-                      <a:headEnd type="none" w="med" len="med"/>
-                      <a:tailEnd type="none" w="med" len="med"/>
-                    </a:lnT>
-                    <a:lnB w="19050" cap="flat" cmpd="sng" algn="ctr">
-                      <a:solidFill>
-                        <a:schemeClr val="tx1"/>
-                      </a:solidFill>
-                      <a:prstDash val="solid"/>
-                      <a:round/>
-                      <a:headEnd type="none" w="med" len="med"/>
-                      <a:tailEnd type="none" w="med" len="med"/>
-                    </a:lnB>
-                  </a:tcPr>
-                </a:tc>
-                <a:tc>
-                  <a:txBody>
-                    <a:bodyPr/>
-                    <a:lstStyle/>
-                    <a:p>
-                      <a:endParaRPr lang="zh-CN" altLang="en-US">
-                        <a:effectLst/>
-                      </a:endParaRPr>
-                    </a:p>
-                  </a:txBody>
-                  <a:tcPr anchor="ctr">
-                    <a:lnL w="19050" cap="flat" cmpd="sng" algn="ctr">
-                      <a:solidFill>
-                        <a:schemeClr val="tx1"/>
-                      </a:solidFill>
-                      <a:prstDash val="solid"/>
-                      <a:round/>
-                      <a:headEnd type="none" w="med" len="med"/>
-                      <a:tailEnd type="none" w="med" len="med"/>
-                    </a:lnL>
-                    <a:lnR w="19050" cap="flat" cmpd="sng" algn="ctr">
-                      <a:solidFill>
-                        <a:schemeClr val="tx1"/>
-                      </a:solidFill>
-                      <a:prstDash val="solid"/>
-                      <a:round/>
-                      <a:headEnd type="none" w="med" len="med"/>
-                      <a:tailEnd type="none" w="med" len="med"/>
-                    </a:lnR>
-                    <a:lnT w="19050" cap="flat" cmpd="sng" algn="ctr">
-                      <a:solidFill>
-                        <a:schemeClr val="tx1"/>
-                      </a:solidFill>
-                      <a:prstDash val="solid"/>
-                      <a:round/>
-                      <a:headEnd type="none" w="med" len="med"/>
-                      <a:tailEnd type="none" w="med" len="med"/>
-                    </a:lnT>
-                    <a:lnB w="19050" cap="flat" cmpd="sng" algn="ctr">
-                      <a:solidFill>
-                        <a:schemeClr val="tx1"/>
-                      </a:solidFill>
-                      <a:prstDash val="solid"/>
-                      <a:round/>
-                      <a:headEnd type="none" w="med" len="med"/>
-                      <a:tailEnd type="none" w="med" len="med"/>
-                    </a:lnB>
-                  </a:tcPr>
-                </a:tc>
-                <a:extLst>
-                  <a:ext uri="{0D108BD9-81ED-4DB2-BD59-A6C34878D82A}">
-                    <a16:rowId xmlns:a16="http://schemas.microsoft.com/office/drawing/2014/main" val="2981419540"/>
-                  </a:ext>
-                </a:extLst>
-              </a:tr>
-              <a:tr h="0">
-                <a:tc>
-                  <a:txBody>
-                    <a:bodyPr/>
-                    <a:lstStyle/>
-                    <a:p>
-                      <a:r>
-                        <a:rPr lang="en-US">
-                          <a:effectLst/>
-                        </a:rPr>
-                        <a:t>DPCNN</a:t>
-                      </a:r>
-                    </a:p>
-                  </a:txBody>
-                  <a:tcPr anchor="ctr">
-                    <a:lnL w="19050" cap="flat" cmpd="sng" algn="ctr">
-                      <a:solidFill>
-                        <a:schemeClr val="tx1"/>
-                      </a:solidFill>
-                      <a:prstDash val="solid"/>
-                      <a:round/>
-                      <a:headEnd type="none" w="med" len="med"/>
-                      <a:tailEnd type="none" w="med" len="med"/>
-                    </a:lnL>
-                    <a:lnR w="19050" cap="flat" cmpd="sng" algn="ctr">
-                      <a:solidFill>
-                        <a:schemeClr val="tx1"/>
-                      </a:solidFill>
-                      <a:prstDash val="solid"/>
-                      <a:round/>
-                      <a:headEnd type="none" w="med" len="med"/>
-                      <a:tailEnd type="none" w="med" len="med"/>
-                    </a:lnR>
-                    <a:lnT w="19050" cap="flat" cmpd="sng" algn="ctr">
-                      <a:solidFill>
-                        <a:schemeClr val="tx1"/>
-                      </a:solidFill>
-                      <a:prstDash val="solid"/>
-                      <a:round/>
-                      <a:headEnd type="none" w="med" len="med"/>
-                      <a:tailEnd type="none" w="med" len="med"/>
-                    </a:lnT>
-                    <a:lnB w="19050" cap="flat" cmpd="sng" algn="ctr">
-                      <a:solidFill>
-                        <a:schemeClr val="tx1"/>
-                      </a:solidFill>
-                      <a:prstDash val="solid"/>
-                      <a:round/>
-                      <a:headEnd type="none" w="med" len="med"/>
-                      <a:tailEnd type="none" w="med" len="med"/>
-                    </a:lnB>
-                  </a:tcPr>
-                </a:tc>
-                <a:tc>
-                  <a:txBody>
-                    <a:bodyPr/>
-                    <a:lstStyle/>
-                    <a:p>
-                      <a:r>
-                        <a:rPr lang="en-US" altLang="zh-CN">
-                          <a:effectLst/>
-                        </a:rPr>
-                        <a:t>92.00%</a:t>
-                      </a:r>
-                    </a:p>
-                  </a:txBody>
-                  <a:tcPr anchor="ctr">
-                    <a:lnL w="19050" cap="flat" cmpd="sng" algn="ctr">
-                      <a:solidFill>
-                        <a:schemeClr val="tx1"/>
-                      </a:solidFill>
-                      <a:prstDash val="solid"/>
-                      <a:round/>
-                      <a:headEnd type="none" w="med" len="med"/>
-                      <a:tailEnd type="none" w="med" len="med"/>
-                    </a:lnL>
-                    <a:lnR w="19050" cap="flat" cmpd="sng" algn="ctr">
-                      <a:solidFill>
-                        <a:schemeClr val="tx1"/>
-                      </a:solidFill>
-                      <a:prstDash val="solid"/>
-                      <a:round/>
-                      <a:headEnd type="none" w="med" len="med"/>
-                      <a:tailEnd type="none" w="med" len="med"/>
-                    </a:lnR>
-                    <a:lnT w="19050" cap="flat" cmpd="sng" algn="ctr">
-                      <a:solidFill>
-                        <a:schemeClr val="tx1"/>
-                      </a:solidFill>
-                      <a:prstDash val="solid"/>
-                      <a:round/>
-                      <a:headEnd type="none" w="med" len="med"/>
-                      <a:tailEnd type="none" w="med" len="med"/>
-                    </a:lnT>
-                    <a:lnB w="19050" cap="flat" cmpd="sng" algn="ctr">
-                      <a:solidFill>
-                        <a:schemeClr val="tx1"/>
-                      </a:solidFill>
-                      <a:prstDash val="solid"/>
-                      <a:round/>
-                      <a:headEnd type="none" w="med" len="med"/>
-                      <a:tailEnd type="none" w="med" len="med"/>
-                    </a:lnB>
-                  </a:tcPr>
-                </a:tc>
-                <a:tc>
-                  <a:txBody>
-                    <a:bodyPr/>
-                    <a:lstStyle/>
-                    <a:p>
-                      <a:r>
-                        <a:rPr lang="en-US">
-                          <a:effectLst/>
-                        </a:rPr>
-                        <a:t>Repeat Layer = 3</a:t>
-                      </a:r>
-                    </a:p>
-                  </a:txBody>
-                  <a:tcPr anchor="ctr">
-                    <a:lnL w="19050" cap="flat" cmpd="sng" algn="ctr">
-                      <a:solidFill>
-                        <a:schemeClr val="tx1"/>
-                      </a:solidFill>
-                      <a:prstDash val="solid"/>
-                      <a:round/>
-                      <a:headEnd type="none" w="med" len="med"/>
-                      <a:tailEnd type="none" w="med" len="med"/>
-                    </a:lnL>
-                    <a:lnR w="19050" cap="flat" cmpd="sng" algn="ctr">
-                      <a:solidFill>
-                        <a:schemeClr val="tx1"/>
-                      </a:solidFill>
-                      <a:prstDash val="solid"/>
-                      <a:round/>
-                      <a:headEnd type="none" w="med" len="med"/>
-                      <a:tailEnd type="none" w="med" len="med"/>
-                    </a:lnR>
-                    <a:lnT w="19050" cap="flat" cmpd="sng" algn="ctr">
-                      <a:solidFill>
-                        <a:schemeClr val="tx1"/>
-                      </a:solidFill>
-                      <a:prstDash val="solid"/>
-                      <a:round/>
-                      <a:headEnd type="none" w="med" len="med"/>
-                      <a:tailEnd type="none" w="med" len="med"/>
-                    </a:lnT>
-                    <a:lnB w="19050" cap="flat" cmpd="sng" algn="ctr">
-                      <a:solidFill>
-                        <a:schemeClr val="tx1"/>
-                      </a:solidFill>
-                      <a:prstDash val="solid"/>
-                      <a:round/>
-                      <a:headEnd type="none" w="med" len="med"/>
-                      <a:tailEnd type="none" w="med" len="med"/>
-                    </a:lnB>
-                  </a:tcPr>
-                </a:tc>
-                <a:extLst>
-                  <a:ext uri="{0D108BD9-81ED-4DB2-BD59-A6C34878D82A}">
-                    <a16:rowId xmlns:a16="http://schemas.microsoft.com/office/drawing/2014/main" val="2693366401"/>
-                  </a:ext>
-                </a:extLst>
-              </a:tr>
-              <a:tr h="0">
-                <a:tc>
-                  <a:txBody>
-                    <a:bodyPr/>
-                    <a:lstStyle/>
-                    <a:p>
-                      <a:r>
-                        <a:rPr lang="en-US">
-                          <a:effectLst/>
-                        </a:rPr>
-                        <a:t>BiLSTM</a:t>
-                      </a:r>
-                    </a:p>
-                  </a:txBody>
-                  <a:tcPr anchor="ctr">
-                    <a:lnL w="19050" cap="flat" cmpd="sng" algn="ctr">
-                      <a:solidFill>
-                        <a:schemeClr val="tx1"/>
-                      </a:solidFill>
-                      <a:prstDash val="solid"/>
-                      <a:round/>
-                      <a:headEnd type="none" w="med" len="med"/>
-                      <a:tailEnd type="none" w="med" len="med"/>
-                    </a:lnL>
-                    <a:lnR w="19050" cap="flat" cmpd="sng" algn="ctr">
-                      <a:solidFill>
-                        <a:schemeClr val="tx1"/>
-                      </a:solidFill>
-                      <a:prstDash val="solid"/>
-                      <a:round/>
-                      <a:headEnd type="none" w="med" len="med"/>
-                      <a:tailEnd type="none" w="med" len="med"/>
-                    </a:lnR>
-                    <a:lnT w="19050" cap="flat" cmpd="sng" algn="ctr">
-                      <a:solidFill>
-                        <a:schemeClr val="tx1"/>
-                      </a:solidFill>
-                      <a:prstDash val="solid"/>
-                      <a:round/>
-                      <a:headEnd type="none" w="med" len="med"/>
-                      <a:tailEnd type="none" w="med" len="med"/>
-                    </a:lnT>
-                    <a:lnB w="19050" cap="flat" cmpd="sng" algn="ctr">
-                      <a:solidFill>
-                        <a:schemeClr val="tx1"/>
-                      </a:solidFill>
-                      <a:prstDash val="solid"/>
-                      <a:round/>
-                      <a:headEnd type="none" w="med" len="med"/>
-                      <a:tailEnd type="none" w="med" len="med"/>
-                    </a:lnB>
-                  </a:tcPr>
-                </a:tc>
-                <a:tc>
-                  <a:txBody>
-                    <a:bodyPr/>
-                    <a:lstStyle/>
-                    <a:p>
-                      <a:r>
-                        <a:rPr lang="en-US" altLang="zh-CN">
-                          <a:effectLst/>
-                        </a:rPr>
-                        <a:t>91.58%</a:t>
-                      </a:r>
-                    </a:p>
-                  </a:txBody>
-                  <a:tcPr anchor="ctr">
-                    <a:lnL w="19050" cap="flat" cmpd="sng" algn="ctr">
-                      <a:solidFill>
-                        <a:schemeClr val="tx1"/>
-                      </a:solidFill>
-                      <a:prstDash val="solid"/>
-                      <a:round/>
-                      <a:headEnd type="none" w="med" len="med"/>
-                      <a:tailEnd type="none" w="med" len="med"/>
-                    </a:lnL>
-                    <a:lnR w="19050" cap="flat" cmpd="sng" algn="ctr">
-                      <a:solidFill>
-                        <a:schemeClr val="tx1"/>
-                      </a:solidFill>
-                      <a:prstDash val="solid"/>
-                      <a:round/>
-                      <a:headEnd type="none" w="med" len="med"/>
-                      <a:tailEnd type="none" w="med" len="med"/>
-                    </a:lnR>
-                    <a:lnT w="19050" cap="flat" cmpd="sng" algn="ctr">
-                      <a:solidFill>
-                        <a:schemeClr val="tx1"/>
-                      </a:solidFill>
-                      <a:prstDash val="solid"/>
-                      <a:round/>
-                      <a:headEnd type="none" w="med" len="med"/>
-                      <a:tailEnd type="none" w="med" len="med"/>
-                    </a:lnT>
-                    <a:lnB w="19050" cap="flat" cmpd="sng" algn="ctr">
-                      <a:solidFill>
-                        <a:schemeClr val="tx1"/>
-                      </a:solidFill>
-                      <a:prstDash val="solid"/>
-                      <a:round/>
-                      <a:headEnd type="none" w="med" len="med"/>
-                      <a:tailEnd type="none" w="med" len="med"/>
-                    </a:lnB>
-                  </a:tcPr>
-                </a:tc>
-                <a:tc>
-                  <a:txBody>
-                    <a:bodyPr/>
-                    <a:lstStyle/>
-                    <a:p>
-                      <a:endParaRPr lang="zh-CN" altLang="en-US">
-                        <a:effectLst/>
-                      </a:endParaRPr>
-                    </a:p>
-                  </a:txBody>
-                  <a:tcPr anchor="ctr">
-                    <a:lnL w="19050" cap="flat" cmpd="sng" algn="ctr">
-                      <a:solidFill>
-                        <a:schemeClr val="tx1"/>
-                      </a:solidFill>
-                      <a:prstDash val="solid"/>
-                      <a:round/>
-                      <a:headEnd type="none" w="med" len="med"/>
-                      <a:tailEnd type="none" w="med" len="med"/>
-                    </a:lnL>
-                    <a:lnR w="19050" cap="flat" cmpd="sng" algn="ctr">
-                      <a:solidFill>
-                        <a:schemeClr val="tx1"/>
-                      </a:solidFill>
-                      <a:prstDash val="solid"/>
-                      <a:round/>
-                      <a:headEnd type="none" w="med" len="med"/>
-                      <a:tailEnd type="none" w="med" len="med"/>
-                    </a:lnR>
-                    <a:lnT w="19050" cap="flat" cmpd="sng" algn="ctr">
-                      <a:solidFill>
-                        <a:schemeClr val="tx1"/>
-                      </a:solidFill>
-                      <a:prstDash val="solid"/>
-                      <a:round/>
-                      <a:headEnd type="none" w="med" len="med"/>
-                      <a:tailEnd type="none" w="med" len="med"/>
-                    </a:lnT>
-                    <a:lnB w="19050" cap="flat" cmpd="sng" algn="ctr">
-                      <a:solidFill>
-                        <a:schemeClr val="tx1"/>
-                      </a:solidFill>
-                      <a:prstDash val="solid"/>
-                      <a:round/>
-                      <a:headEnd type="none" w="med" len="med"/>
-                      <a:tailEnd type="none" w="med" len="med"/>
-                    </a:lnB>
-                  </a:tcPr>
-                </a:tc>
-                <a:extLst>
-                  <a:ext uri="{0D108BD9-81ED-4DB2-BD59-A6C34878D82A}">
-                    <a16:rowId xmlns:a16="http://schemas.microsoft.com/office/drawing/2014/main" val="3776513571"/>
-                  </a:ext>
-                </a:extLst>
-              </a:tr>
-              <a:tr h="0">
-                <a:tc>
-                  <a:txBody>
-                    <a:bodyPr/>
-                    <a:lstStyle/>
-                    <a:p>
-                      <a:r>
-                        <a:rPr lang="en-US">
-                          <a:effectLst/>
-                        </a:rPr>
-                        <a:t>BiLSTM with Attention</a:t>
-                      </a:r>
-                    </a:p>
-                  </a:txBody>
-                  <a:tcPr anchor="ctr">
-                    <a:lnL w="19050" cap="flat" cmpd="sng" algn="ctr">
-                      <a:solidFill>
-                        <a:schemeClr val="tx1"/>
-                      </a:solidFill>
-                      <a:prstDash val="solid"/>
-                      <a:round/>
-                      <a:headEnd type="none" w="med" len="med"/>
-                      <a:tailEnd type="none" w="med" len="med"/>
-                    </a:lnL>
-                    <a:lnR w="19050" cap="flat" cmpd="sng" algn="ctr">
-                      <a:solidFill>
-                        <a:schemeClr val="tx1"/>
-                      </a:solidFill>
-                      <a:prstDash val="solid"/>
-                      <a:round/>
-                      <a:headEnd type="none" w="med" len="med"/>
-                      <a:tailEnd type="none" w="med" len="med"/>
-                    </a:lnR>
-                    <a:lnT w="19050" cap="flat" cmpd="sng" algn="ctr">
-                      <a:solidFill>
-                        <a:schemeClr val="tx1"/>
-                      </a:solidFill>
-                      <a:prstDash val="solid"/>
-                      <a:round/>
-                      <a:headEnd type="none" w="med" len="med"/>
-                      <a:tailEnd type="none" w="med" len="med"/>
-                    </a:lnT>
-                    <a:lnB w="19050" cap="flat" cmpd="sng" algn="ctr">
-                      <a:solidFill>
-                        <a:schemeClr val="tx1"/>
-                      </a:solidFill>
-                      <a:prstDash val="solid"/>
-                      <a:round/>
-                      <a:headEnd type="none" w="med" len="med"/>
-                      <a:tailEnd type="none" w="med" len="med"/>
-                    </a:lnB>
-                  </a:tcPr>
-                </a:tc>
-                <a:tc>
-                  <a:txBody>
-                    <a:bodyPr/>
-                    <a:lstStyle/>
-                    <a:p>
-                      <a:r>
-                        <a:rPr lang="en-US" altLang="zh-CN">
-                          <a:effectLst/>
-                        </a:rPr>
-                        <a:t>91.60%</a:t>
-                      </a:r>
-                    </a:p>
-                  </a:txBody>
-                  <a:tcPr anchor="ctr">
-                    <a:lnL w="19050" cap="flat" cmpd="sng" algn="ctr">
-                      <a:solidFill>
-                        <a:schemeClr val="tx1"/>
-                      </a:solidFill>
-                      <a:prstDash val="solid"/>
-                      <a:round/>
-                      <a:headEnd type="none" w="med" len="med"/>
-                      <a:tailEnd type="none" w="med" len="med"/>
-                    </a:lnL>
-                    <a:lnR w="19050" cap="flat" cmpd="sng" algn="ctr">
-                      <a:solidFill>
-                        <a:schemeClr val="tx1"/>
-                      </a:solidFill>
-                      <a:prstDash val="solid"/>
-                      <a:round/>
-                      <a:headEnd type="none" w="med" len="med"/>
-                      <a:tailEnd type="none" w="med" len="med"/>
-                    </a:lnR>
-                    <a:lnT w="19050" cap="flat" cmpd="sng" algn="ctr">
-                      <a:solidFill>
-                        <a:schemeClr val="tx1"/>
-                      </a:solidFill>
-                      <a:prstDash val="solid"/>
-                      <a:round/>
-                      <a:headEnd type="none" w="med" len="med"/>
-                      <a:tailEnd type="none" w="med" len="med"/>
-                    </a:lnT>
-                    <a:lnB w="19050" cap="flat" cmpd="sng" algn="ctr">
-                      <a:solidFill>
-                        <a:schemeClr val="tx1"/>
-                      </a:solidFill>
-                      <a:prstDash val="solid"/>
-                      <a:round/>
-                      <a:headEnd type="none" w="med" len="med"/>
-                      <a:tailEnd type="none" w="med" len="med"/>
-                    </a:lnB>
-                  </a:tcPr>
-                </a:tc>
-                <a:tc>
-                  <a:txBody>
-                    <a:bodyPr/>
-                    <a:lstStyle/>
-                    <a:p>
-                      <a:endParaRPr lang="zh-CN" altLang="en-US">
-                        <a:effectLst/>
-                      </a:endParaRPr>
-                    </a:p>
-                  </a:txBody>
-                  <a:tcPr anchor="ctr">
-                    <a:lnL w="19050" cap="flat" cmpd="sng" algn="ctr">
-                      <a:solidFill>
-                        <a:schemeClr val="tx1"/>
-                      </a:solidFill>
-                      <a:prstDash val="solid"/>
-                      <a:round/>
-                      <a:headEnd type="none" w="med" len="med"/>
-                      <a:tailEnd type="none" w="med" len="med"/>
-                    </a:lnL>
-                    <a:lnR w="19050" cap="flat" cmpd="sng" algn="ctr">
-                      <a:solidFill>
-                        <a:schemeClr val="tx1"/>
-                      </a:solidFill>
-                      <a:prstDash val="solid"/>
-                      <a:round/>
-                      <a:headEnd type="none" w="med" len="med"/>
-                      <a:tailEnd type="none" w="med" len="med"/>
-                    </a:lnR>
-                    <a:lnT w="19050" cap="flat" cmpd="sng" algn="ctr">
-                      <a:solidFill>
-                        <a:schemeClr val="tx1"/>
-                      </a:solidFill>
-                      <a:prstDash val="solid"/>
-                      <a:round/>
-                      <a:headEnd type="none" w="med" len="med"/>
-                      <a:tailEnd type="none" w="med" len="med"/>
-                    </a:lnT>
-                    <a:lnB w="19050" cap="flat" cmpd="sng" algn="ctr">
-                      <a:solidFill>
-                        <a:schemeClr val="tx1"/>
-                      </a:solidFill>
-                      <a:prstDash val="solid"/>
-                      <a:round/>
-                      <a:headEnd type="none" w="med" len="med"/>
-                      <a:tailEnd type="none" w="med" len="med"/>
-                    </a:lnB>
-                  </a:tcPr>
-                </a:tc>
-                <a:extLst>
-                  <a:ext uri="{0D108BD9-81ED-4DB2-BD59-A6C34878D82A}">
-                    <a16:rowId xmlns:a16="http://schemas.microsoft.com/office/drawing/2014/main" val="1155752323"/>
-                  </a:ext>
-                </a:extLst>
-              </a:tr>
-              <a:tr h="0">
-                <a:tc>
-                  <a:txBody>
-                    <a:bodyPr/>
-                    <a:lstStyle/>
-                    <a:p>
-                      <a:r>
-                        <a:rPr lang="en-US" dirty="0" err="1">
-                          <a:effectLst/>
-                        </a:rPr>
-                        <a:t>TextRCNN</a:t>
-                      </a:r>
-                      <a:endParaRPr lang="en-US" dirty="0">
-                        <a:effectLst/>
-                      </a:endParaRPr>
-                    </a:p>
-                  </a:txBody>
-                  <a:tcPr anchor="ctr">
-                    <a:lnL w="19050" cap="flat" cmpd="sng" algn="ctr">
-                      <a:solidFill>
-                        <a:schemeClr val="tx1"/>
-                      </a:solidFill>
-                      <a:prstDash val="solid"/>
-                      <a:round/>
-                      <a:headEnd type="none" w="med" len="med"/>
-                      <a:tailEnd type="none" w="med" len="med"/>
-                    </a:lnL>
-                    <a:lnR w="19050" cap="flat" cmpd="sng" algn="ctr">
-                      <a:solidFill>
-                        <a:schemeClr val="tx1"/>
-                      </a:solidFill>
-                      <a:prstDash val="solid"/>
-                      <a:round/>
-                      <a:headEnd type="none" w="med" len="med"/>
-                      <a:tailEnd type="none" w="med" len="med"/>
-                    </a:lnR>
-                    <a:lnT w="19050" cap="flat" cmpd="sng" algn="ctr">
-                      <a:solidFill>
-                        <a:schemeClr val="tx1"/>
-                      </a:solidFill>
-                      <a:prstDash val="solid"/>
-                      <a:round/>
-                      <a:headEnd type="none" w="med" len="med"/>
-                      <a:tailEnd type="none" w="med" len="med"/>
-                    </a:lnT>
-                    <a:lnB w="19050" cap="flat" cmpd="sng" algn="ctr">
-                      <a:solidFill>
-                        <a:schemeClr val="tx1"/>
-                      </a:solidFill>
-                      <a:prstDash val="solid"/>
-                      <a:round/>
-                      <a:headEnd type="none" w="med" len="med"/>
-                      <a:tailEnd type="none" w="med" len="med"/>
-                    </a:lnB>
-                  </a:tcPr>
-                </a:tc>
-                <a:tc>
-                  <a:txBody>
-                    <a:bodyPr/>
-                    <a:lstStyle/>
-                    <a:p>
-                      <a:r>
-                        <a:rPr lang="en-US" altLang="zh-CN">
-                          <a:effectLst/>
-                        </a:rPr>
-                        <a:t>91.79%</a:t>
-                      </a:r>
-                    </a:p>
-                  </a:txBody>
-                  <a:tcPr anchor="ctr">
-                    <a:lnL w="19050" cap="flat" cmpd="sng" algn="ctr">
-                      <a:solidFill>
-                        <a:schemeClr val="tx1"/>
-                      </a:solidFill>
-                      <a:prstDash val="solid"/>
-                      <a:round/>
-                      <a:headEnd type="none" w="med" len="med"/>
-                      <a:tailEnd type="none" w="med" len="med"/>
-                    </a:lnL>
-                    <a:lnR w="19050" cap="flat" cmpd="sng" algn="ctr">
-                      <a:solidFill>
-                        <a:schemeClr val="tx1"/>
-                      </a:solidFill>
-                      <a:prstDash val="solid"/>
-                      <a:round/>
-                      <a:headEnd type="none" w="med" len="med"/>
-                      <a:tailEnd type="none" w="med" len="med"/>
-                    </a:lnR>
-                    <a:lnT w="19050" cap="flat" cmpd="sng" algn="ctr">
-                      <a:solidFill>
-                        <a:schemeClr val="tx1"/>
-                      </a:solidFill>
-                      <a:prstDash val="solid"/>
-                      <a:round/>
-                      <a:headEnd type="none" w="med" len="med"/>
-                      <a:tailEnd type="none" w="med" len="med"/>
-                    </a:lnT>
-                    <a:lnB w="19050" cap="flat" cmpd="sng" algn="ctr">
-                      <a:solidFill>
-                        <a:schemeClr val="tx1"/>
-                      </a:solidFill>
-                      <a:prstDash val="solid"/>
-                      <a:round/>
-                      <a:headEnd type="none" w="med" len="med"/>
-                      <a:tailEnd type="none" w="med" len="med"/>
-                    </a:lnB>
-                  </a:tcPr>
-                </a:tc>
-                <a:tc>
-                  <a:txBody>
-                    <a:bodyPr/>
-                    <a:lstStyle/>
-                    <a:p>
-                      <a:endParaRPr lang="zh-CN" altLang="en-US">
-                        <a:effectLst/>
-                      </a:endParaRPr>
-                    </a:p>
-                  </a:txBody>
-                  <a:tcPr anchor="ctr">
-                    <a:lnL w="19050" cap="flat" cmpd="sng" algn="ctr">
-                      <a:solidFill>
-                        <a:schemeClr val="tx1"/>
-                      </a:solidFill>
-                      <a:prstDash val="solid"/>
-                      <a:round/>
-                      <a:headEnd type="none" w="med" len="med"/>
-                      <a:tailEnd type="none" w="med" len="med"/>
-                    </a:lnL>
-                    <a:lnR w="19050" cap="flat" cmpd="sng" algn="ctr">
-                      <a:solidFill>
-                        <a:schemeClr val="tx1"/>
-                      </a:solidFill>
-                      <a:prstDash val="solid"/>
-                      <a:round/>
-                      <a:headEnd type="none" w="med" len="med"/>
-                      <a:tailEnd type="none" w="med" len="med"/>
-                    </a:lnR>
-                    <a:lnT w="19050" cap="flat" cmpd="sng" algn="ctr">
-                      <a:solidFill>
-                        <a:schemeClr val="tx1"/>
-                      </a:solidFill>
-                      <a:prstDash val="solid"/>
-                      <a:round/>
-                      <a:headEnd type="none" w="med" len="med"/>
-                      <a:tailEnd type="none" w="med" len="med"/>
-                    </a:lnT>
-                    <a:lnB w="19050" cap="flat" cmpd="sng" algn="ctr">
-                      <a:solidFill>
-                        <a:schemeClr val="tx1"/>
-                      </a:solidFill>
-                      <a:prstDash val="solid"/>
-                      <a:round/>
-                      <a:headEnd type="none" w="med" len="med"/>
-                      <a:tailEnd type="none" w="med" len="med"/>
-                    </a:lnB>
-                  </a:tcPr>
-                </a:tc>
-                <a:extLst>
-                  <a:ext uri="{0D108BD9-81ED-4DB2-BD59-A6C34878D82A}">
-                    <a16:rowId xmlns:a16="http://schemas.microsoft.com/office/drawing/2014/main" val="2987202525"/>
-                  </a:ext>
-                </a:extLst>
-              </a:tr>
-              <a:tr h="0">
-                <a:tc>
-                  <a:txBody>
-                    <a:bodyPr/>
-                    <a:lstStyle/>
-                    <a:p>
-                      <a:r>
-                        <a:rPr lang="en-US">
-                          <a:effectLst/>
-                        </a:rPr>
-                        <a:t>BERT</a:t>
-                      </a:r>
-                    </a:p>
-                  </a:txBody>
-                  <a:tcPr anchor="ctr">
-                    <a:lnL w="19050" cap="flat" cmpd="sng" algn="ctr">
-                      <a:solidFill>
-                        <a:schemeClr val="tx1"/>
-                      </a:solidFill>
-                      <a:prstDash val="solid"/>
-                      <a:round/>
-                      <a:headEnd type="none" w="med" len="med"/>
-                      <a:tailEnd type="none" w="med" len="med"/>
-                    </a:lnL>
-                    <a:lnR w="19050" cap="flat" cmpd="sng" algn="ctr">
-                      <a:solidFill>
-                        <a:schemeClr val="tx1"/>
-                      </a:solidFill>
-                      <a:prstDash val="solid"/>
-                      <a:round/>
-                      <a:headEnd type="none" w="med" len="med"/>
-                      <a:tailEnd type="none" w="med" len="med"/>
-                    </a:lnR>
-                    <a:lnT w="19050" cap="flat" cmpd="sng" algn="ctr">
-                      <a:solidFill>
-                        <a:schemeClr val="tx1"/>
-                      </a:solidFill>
-                      <a:prstDash val="solid"/>
-                      <a:round/>
-                      <a:headEnd type="none" w="med" len="med"/>
-                      <a:tailEnd type="none" w="med" len="med"/>
-                    </a:lnT>
-                    <a:lnB w="19050" cap="flat" cmpd="sng" algn="ctr">
-                      <a:solidFill>
-                        <a:schemeClr val="tx1"/>
-                      </a:solidFill>
-                      <a:prstDash val="solid"/>
-                      <a:round/>
-                      <a:headEnd type="none" w="med" len="med"/>
-                      <a:tailEnd type="none" w="med" len="med"/>
-                    </a:lnB>
-                  </a:tcPr>
-                </a:tc>
-                <a:tc>
-                  <a:txBody>
-                    <a:bodyPr/>
-                    <a:lstStyle/>
-                    <a:p>
-                      <a:r>
-                        <a:rPr lang="en-US" altLang="zh-CN">
-                          <a:effectLst/>
-                        </a:rPr>
-                        <a:t>94.61%</a:t>
-                      </a:r>
-                    </a:p>
-                  </a:txBody>
-                  <a:tcPr anchor="ctr">
-                    <a:lnL w="19050" cap="flat" cmpd="sng" algn="ctr">
-                      <a:solidFill>
-                        <a:schemeClr val="tx1"/>
-                      </a:solidFill>
-                      <a:prstDash val="solid"/>
-                      <a:round/>
-                      <a:headEnd type="none" w="med" len="med"/>
-                      <a:tailEnd type="none" w="med" len="med"/>
-                    </a:lnL>
-                    <a:lnR w="19050" cap="flat" cmpd="sng" algn="ctr">
-                      <a:solidFill>
-                        <a:schemeClr val="tx1"/>
-                      </a:solidFill>
-                      <a:prstDash val="solid"/>
-                      <a:round/>
-                      <a:headEnd type="none" w="med" len="med"/>
-                      <a:tailEnd type="none" w="med" len="med"/>
-                    </a:lnR>
-                    <a:lnT w="19050" cap="flat" cmpd="sng" algn="ctr">
-                      <a:solidFill>
-                        <a:schemeClr val="tx1"/>
-                      </a:solidFill>
-                      <a:prstDash val="solid"/>
-                      <a:round/>
-                      <a:headEnd type="none" w="med" len="med"/>
-                      <a:tailEnd type="none" w="med" len="med"/>
-                    </a:lnT>
-                    <a:lnB w="19050" cap="flat" cmpd="sng" algn="ctr">
-                      <a:solidFill>
-                        <a:schemeClr val="tx1"/>
-                      </a:solidFill>
-                      <a:prstDash val="solid"/>
-                      <a:round/>
-                      <a:headEnd type="none" w="med" len="med"/>
-                      <a:tailEnd type="none" w="med" len="med"/>
-                    </a:lnB>
-                  </a:tcPr>
-                </a:tc>
-                <a:tc>
-                  <a:txBody>
-                    <a:bodyPr/>
-                    <a:lstStyle/>
-                    <a:p>
-                      <a:r>
-                        <a:rPr lang="en-US" dirty="0">
-                          <a:effectLst/>
-                        </a:rPr>
-                        <a:t>BERT-</a:t>
-                      </a:r>
-                      <a:r>
-                        <a:rPr lang="en-US" dirty="0" err="1">
-                          <a:effectLst/>
-                        </a:rPr>
-                        <a:t>wwm</a:t>
-                      </a:r>
-                      <a:r>
-                        <a:rPr lang="en-US" dirty="0">
-                          <a:effectLst/>
-                        </a:rPr>
-                        <a:t>-</a:t>
-                      </a:r>
-                      <a:r>
-                        <a:rPr lang="en-US" dirty="0" err="1">
-                          <a:effectLst/>
-                        </a:rPr>
-                        <a:t>ext</a:t>
-                      </a:r>
-                      <a:endParaRPr lang="en-US" dirty="0">
-                        <a:effectLst/>
-                      </a:endParaRPr>
-                    </a:p>
-                  </a:txBody>
-                  <a:tcPr anchor="ctr">
-                    <a:lnL w="19050" cap="flat" cmpd="sng" algn="ctr">
-                      <a:solidFill>
-                        <a:schemeClr val="tx1"/>
-                      </a:solidFill>
-                      <a:prstDash val="solid"/>
-                      <a:round/>
-                      <a:headEnd type="none" w="med" len="med"/>
-                      <a:tailEnd type="none" w="med" len="med"/>
-                    </a:lnL>
-                    <a:lnR w="19050" cap="flat" cmpd="sng" algn="ctr">
-                      <a:solidFill>
-                        <a:schemeClr val="tx1"/>
-                      </a:solidFill>
-                      <a:prstDash val="solid"/>
-                      <a:round/>
-                      <a:headEnd type="none" w="med" len="med"/>
-                      <a:tailEnd type="none" w="med" len="med"/>
-                    </a:lnR>
-                    <a:lnT w="19050" cap="flat" cmpd="sng" algn="ctr">
-                      <a:solidFill>
-                        <a:schemeClr val="tx1"/>
-                      </a:solidFill>
-                      <a:prstDash val="solid"/>
-                      <a:round/>
-                      <a:headEnd type="none" w="med" len="med"/>
-                      <a:tailEnd type="none" w="med" len="med"/>
-                    </a:lnT>
-                    <a:lnB w="19050" cap="flat" cmpd="sng" algn="ctr">
-                      <a:solidFill>
-                        <a:schemeClr val="tx1"/>
-                      </a:solidFill>
-                      <a:prstDash val="solid"/>
-                      <a:round/>
-                      <a:headEnd type="none" w="med" len="med"/>
-                      <a:tailEnd type="none" w="med" len="med"/>
-                    </a:lnB>
-                  </a:tcPr>
-                </a:tc>
-                <a:extLst>
-                  <a:ext uri="{0D108BD9-81ED-4DB2-BD59-A6C34878D82A}">
-                    <a16:rowId xmlns:a16="http://schemas.microsoft.com/office/drawing/2014/main" val="1951949997"/>
-                  </a:ext>
-                </a:extLst>
-              </a:tr>
-            </a:tbl>
-          </a:graphicData>
-        </a:graphic>
-      </p:graphicFrame>
-    </p:spTree>
-    <p:extLst>
-      <p:ext uri="{BB962C8B-B14F-4D97-AF65-F5344CB8AC3E}">
-        <p14:creationId xmlns:p14="http://schemas.microsoft.com/office/powerpoint/2010/main" val="2897257092"/>
       </p:ext>
     </p:extLst>
   </p:cSld>
